--- a/Requirement/OnlineOrderingVersion1.pptx
+++ b/Requirement/OnlineOrderingVersion1.pptx
@@ -3182,7 +3182,7 @@
         </p:nvSpPr>
         <p:spPr>
           <a:xfrm>
-            <a:off x="3489962" y="3317967"/>
+            <a:off x="3489962" y="3448597"/>
             <a:ext cx="1584536" cy="718457"/>
           </a:xfrm>
           <a:prstGeom prst="rect">
@@ -3212,6 +3212,41 @@
               <a:rPr lang="en-US" dirty="0" smtClean="0"/>
               <a:t>Step 1</a:t>
             </a:r>
+          </a:p>
+          <a:p>
+            <a:r>
+              <a:rPr lang="en-US" sz="1000" dirty="0"/>
+              <a:t>How Hot Do You Want Your </a:t>
+            </a:r>
+            <a:r>
+              <a:rPr lang="en-US" sz="1000" dirty="0" err="1"/>
+              <a:t>Checken</a:t>
+            </a:r>
+            <a:r>
+              <a:rPr lang="en-US" sz="1000" dirty="0"/>
+              <a:t>?</a:t>
+            </a:r>
+          </a:p>
+          <a:p>
+            <a:r>
+              <a:rPr lang="en-US" sz="1000" dirty="0"/>
+              <a:t>Mild (For Kids)</a:t>
+            </a:r>
+          </a:p>
+          <a:p>
+            <a:r>
+              <a:rPr lang="en-US" sz="1000" dirty="0"/>
+              <a:t>Medium</a:t>
+            </a:r>
+          </a:p>
+          <a:p>
+            <a:r>
+              <a:rPr lang="en-US" sz="1000" dirty="0"/>
+              <a:t>Hot</a:t>
+            </a:r>
+          </a:p>
+          <a:p>
+            <a:pPr algn="ctr"/>
             <a:endParaRPr lang="en-US" dirty="0"/>
           </a:p>
         </p:txBody>
@@ -3224,7 +3259,7 @@
         </p:nvSpPr>
         <p:spPr>
           <a:xfrm>
-            <a:off x="5263456" y="3317966"/>
+            <a:off x="5263456" y="3448596"/>
             <a:ext cx="1584536" cy="718457"/>
           </a:xfrm>
           <a:prstGeom prst="rect">
@@ -3255,6 +3290,58 @@
               <a:t>Step 2</a:t>
             </a:r>
           </a:p>
+          <a:p>
+            <a:r>
+              <a:rPr lang="en-US" sz="1050" dirty="0"/>
+              <a:t>How Much Chicken Do You Want?</a:t>
+            </a:r>
+          </a:p>
+          <a:p>
+            <a:r>
+              <a:rPr lang="en-US" sz="1050" dirty="0"/>
+              <a:t>1/4 Chicken - </a:t>
+            </a:r>
+            <a:r>
+              <a:rPr lang="en-US" sz="1050" dirty="0" err="1"/>
+              <a:t>Rs</a:t>
+            </a:r>
+            <a:r>
+              <a:rPr lang="en-US" sz="1050" dirty="0"/>
+              <a:t>. 650.00</a:t>
+            </a:r>
+          </a:p>
+          <a:p>
+            <a:r>
+              <a:rPr lang="en-US" sz="1050" dirty="0"/>
+              <a:t>1/2 Chicken - </a:t>
+            </a:r>
+            <a:r>
+              <a:rPr lang="en-US" sz="1050" dirty="0" err="1"/>
+              <a:t>Rs</a:t>
+            </a:r>
+            <a:r>
+              <a:rPr lang="en-US" sz="1050" dirty="0"/>
+              <a:t>. 1300.00</a:t>
+            </a:r>
+          </a:p>
+          <a:p>
+            <a:r>
+              <a:rPr lang="en-US" sz="1050" dirty="0"/>
+              <a:t>Full Chicken - </a:t>
+            </a:r>
+            <a:r>
+              <a:rPr lang="en-US" sz="1050" dirty="0" err="1"/>
+              <a:t>Rs</a:t>
+            </a:r>
+            <a:r>
+              <a:rPr lang="en-US" sz="1050" dirty="0"/>
+              <a:t>. 2500.00</a:t>
+            </a:r>
+          </a:p>
+          <a:p>
+            <a:pPr algn="ctr"/>
+            <a:endParaRPr lang="en-US" dirty="0" smtClean="0"/>
+          </a:p>
         </p:txBody>
       </p:sp>
       <p:sp>
@@ -3265,7 +3352,7 @@
         </p:nvSpPr>
         <p:spPr>
           <a:xfrm>
-            <a:off x="7036950" y="3317966"/>
+            <a:off x="7036950" y="3448596"/>
             <a:ext cx="1584536" cy="718457"/>
           </a:xfrm>
           <a:prstGeom prst="rect">
@@ -3295,6 +3382,44 @@
               <a:rPr lang="en-US" dirty="0" smtClean="0"/>
               <a:t>Step 3</a:t>
             </a:r>
+          </a:p>
+          <a:p>
+            <a:r>
+              <a:rPr lang="en-US" sz="1100" dirty="0"/>
+              <a:t>How Many Side Would You Like to Have?</a:t>
+            </a:r>
+          </a:p>
+          <a:p>
+            <a:r>
+              <a:rPr lang="en-US" sz="1100" dirty="0"/>
+              <a:t>Small Side - </a:t>
+            </a:r>
+            <a:r>
+              <a:rPr lang="en-US" sz="1100" dirty="0" err="1"/>
+              <a:t>Rs</a:t>
+            </a:r>
+            <a:r>
+              <a:rPr lang="en-US" sz="1100" dirty="0"/>
+              <a:t>. 180.00</a:t>
+            </a:r>
+          </a:p>
+          <a:p>
+            <a:r>
+              <a:rPr lang="en-US" sz="1100" dirty="0"/>
+              <a:t>Large Side - </a:t>
+            </a:r>
+            <a:r>
+              <a:rPr lang="en-US" sz="1100" dirty="0" err="1"/>
+              <a:t>Rs</a:t>
+            </a:r>
+            <a:r>
+              <a:rPr lang="en-US" sz="1100" dirty="0"/>
+              <a:t>. 350.00</a:t>
+            </a:r>
+          </a:p>
+          <a:p>
+            <a:pPr algn="ctr"/>
+            <a:endParaRPr lang="en-US" dirty="0" smtClean="0"/>
           </a:p>
         </p:txBody>
       </p:sp>
@@ -3348,7 +3473,7 @@
         </p:nvSpPr>
         <p:spPr>
           <a:xfrm>
-            <a:off x="7036950" y="4140924"/>
+            <a:off x="7036950" y="4206239"/>
             <a:ext cx="1584536" cy="300449"/>
           </a:xfrm>
           <a:prstGeom prst="rect">
